--- a/LendingClubCaseStudy.pptx
+++ b/LendingClubCaseStudy.pptx
@@ -34,16 +34,16 @@
   <p:notesSz cx="6858000" cy="9144000"/>
   <p:embeddedFontLst>
     <p:embeddedFont>
-      <p:font typeface="Inter-Regular" panose="020B0604020202020204" charset="0"/>
+      <p:font typeface="Calibri" panose="020F0502020204030204" pitchFamily="34" charset="0"/>
       <p:regular r:id="rId24"/>
       <p:bold r:id="rId25"/>
+      <p:italic r:id="rId26"/>
+      <p:boldItalic r:id="rId27"/>
     </p:embeddedFont>
     <p:embeddedFont>
-      <p:font typeface="Calibri" panose="020F0502020204030204" pitchFamily="34" charset="0"/>
-      <p:regular r:id="rId26"/>
-      <p:bold r:id="rId27"/>
-      <p:italic r:id="rId28"/>
-      <p:boldItalic r:id="rId29"/>
+      <p:font typeface="Inter-Regular" panose="020B0604020202020204" charset="0"/>
+      <p:regular r:id="rId28"/>
+      <p:bold r:id="rId29"/>
     </p:embeddedFont>
   </p:embeddedFontLst>
   <p:defaultTextStyle>
@@ -46453,15 +46453,7 @@
             </a:pPr>
             <a:r>
               <a:rPr lang="en-US" sz="1600" dirty="0" smtClean="0"/>
-              <a:t>As visual shows when DTI </a:t>
-            </a:r>
-            <a:r>
-              <a:rPr lang="en-US" sz="1600" dirty="0" smtClean="0"/>
-              <a:t>highly </a:t>
-            </a:r>
-            <a:r>
-              <a:rPr lang="en-US" sz="1600" dirty="0" smtClean="0"/>
-              <a:t>correlated to loan amounts.</a:t>
+              <a:t>As visual shows when DTI highly correlated to loan amounts.</a:t>
             </a:r>
           </a:p>
           <a:p>
@@ -48301,7 +48293,7 @@
         <p:spPr>
           <a:xfrm>
             <a:off x="230671" y="654857"/>
-            <a:ext cx="7607043" cy="553998"/>
+            <a:ext cx="7607043" cy="584775"/>
           </a:xfrm>
           <a:prstGeom prst="rect">
             <a:avLst/>
@@ -48318,7 +48310,7 @@
           </a:p>
           <a:p>
             <a:r>
-              <a:rPr lang="en-US" dirty="0" smtClean="0"/>
+              <a:rPr lang="en-US" sz="1600" dirty="0" smtClean="0"/>
               <a:t>EDA for the loan dataset revealed that:</a:t>
             </a:r>
           </a:p>
@@ -48333,7 +48325,7 @@
         <p:spPr>
           <a:xfrm>
             <a:off x="230671" y="1293886"/>
-            <a:ext cx="7840309" cy="1323439"/>
+            <a:ext cx="7840309" cy="3293209"/>
           </a:xfrm>
           <a:prstGeom prst="rect">
             <a:avLst/>
@@ -48360,15 +48352,80 @@
             </a:r>
             <a:r>
               <a:rPr lang="en-US" sz="1600" dirty="0" smtClean="0"/>
-              <a:t>hort term and average interest rate to the people from </a:t>
-            </a:r>
-            <a:r>
-              <a:rPr lang="en-US" sz="1600" dirty="0"/>
-              <a:t>moderate grades(A, B, C, D) , </a:t>
+              <a:t>hort </a:t>
             </a:r>
             <a:r>
               <a:rPr lang="en-US" sz="1600" dirty="0" smtClean="0"/>
-              <a:t>who has a average DTI.</a:t>
+              <a:t>terms.</a:t>
+            </a:r>
+          </a:p>
+          <a:p>
+            <a:endParaRPr lang="en-US" sz="1600" dirty="0" smtClean="0"/>
+          </a:p>
+          <a:p>
+            <a:pPr marL="285750" indent="-285750">
+              <a:buFont typeface="Wingdings" panose="05000000000000000000" pitchFamily="2" charset="2"/>
+              <a:buChar char="ü"/>
+            </a:pPr>
+            <a:r>
+              <a:rPr lang="en-US" sz="1600" dirty="0" smtClean="0"/>
+              <a:t>Average </a:t>
+            </a:r>
+            <a:r>
+              <a:rPr lang="en-US" sz="1600" dirty="0" smtClean="0"/>
+              <a:t>interest rate </a:t>
+            </a:r>
+            <a:r>
+              <a:rPr lang="en-US" sz="1600" dirty="0" smtClean="0"/>
+              <a:t>of the loans are likely to Fully Paid, so if the banks gives loans at moderate level of interest it can avoid loss.</a:t>
+            </a:r>
+          </a:p>
+          <a:p>
+            <a:pPr marL="285750" indent="-285750">
+              <a:buFont typeface="Wingdings" panose="05000000000000000000" pitchFamily="2" charset="2"/>
+              <a:buChar char="ü"/>
+            </a:pPr>
+            <a:endParaRPr lang="en-US" sz="1600" dirty="0" smtClean="0"/>
+          </a:p>
+          <a:p>
+            <a:pPr marL="285750" indent="-285750">
+              <a:buFont typeface="Wingdings" panose="05000000000000000000" pitchFamily="2" charset="2"/>
+              <a:buChar char="ü"/>
+            </a:pPr>
+            <a:r>
+              <a:rPr lang="en-US" sz="1600" dirty="0" smtClean="0"/>
+              <a:t>If the bank provides more of loans with higher amount to Grade level ‘A’ to ‘D’ , it can improve the business.</a:t>
+            </a:r>
+          </a:p>
+          <a:p>
+            <a:pPr marL="285750" indent="-285750">
+              <a:buFont typeface="Wingdings" panose="05000000000000000000" pitchFamily="2" charset="2"/>
+              <a:buChar char="ü"/>
+            </a:pPr>
+            <a:endParaRPr lang="en-US" sz="1600" dirty="0"/>
+          </a:p>
+          <a:p>
+            <a:pPr marL="285750" indent="-285750">
+              <a:buFont typeface="Wingdings" panose="05000000000000000000" pitchFamily="2" charset="2"/>
+              <a:buChar char="ü"/>
+            </a:pPr>
+            <a:r>
+              <a:rPr lang="en-US" sz="1600" dirty="0" smtClean="0"/>
+              <a:t>If the bank considers DTI, </a:t>
+            </a:r>
+            <a:r>
+              <a:rPr lang="en-US" sz="1600" dirty="0" err="1" smtClean="0"/>
+              <a:t>home_ownership</a:t>
+            </a:r>
+            <a:r>
+              <a:rPr lang="en-US" sz="1600" dirty="0" smtClean="0"/>
+              <a:t> factors before giving the high amount of loan, it can avoid the charged-off counts.</a:t>
+            </a:r>
+          </a:p>
+          <a:p>
+            <a:r>
+              <a:rPr lang="en-US" sz="1600" dirty="0" smtClean="0"/>
+              <a:t> </a:t>
             </a:r>
             <a:endParaRPr lang="en-US" sz="1600" dirty="0" smtClean="0"/>
           </a:p>
@@ -48379,15 +48436,15 @@
             </a:pPr>
             <a:r>
               <a:rPr lang="en-US" sz="1600" dirty="0" smtClean="0"/>
-              <a:t>The Bank can avoid the charged-offs with quality verification process for loan approvals when loan amount </a:t>
+              <a:t>The Bank can avoid the charged-offs with quality verification process for loan approvals when loan amount is </a:t>
+            </a:r>
+            <a:r>
+              <a:rPr lang="en-US" sz="1600" dirty="0" smtClean="0"/>
+              <a:t>higher for the Grade E, F</a:t>
             </a:r>
             <a:r>
               <a:rPr lang="en-US" sz="1600" smtClean="0"/>
-              <a:t>is </a:t>
-            </a:r>
-            <a:r>
-              <a:rPr lang="en-US" sz="1600" smtClean="0"/>
-              <a:t>higher.</a:t>
+              <a:t>, G.</a:t>
             </a:r>
             <a:endParaRPr lang="en-GB" sz="1600" dirty="0"/>
           </a:p>

--- a/LendingClubCaseStudy.pptx
+++ b/LendingClubCaseStudy.pptx
@@ -34,16 +34,16 @@
   <p:notesSz cx="6858000" cy="9144000"/>
   <p:embeddedFontLst>
     <p:embeddedFont>
-      <p:font typeface="Calibri" panose="020F0502020204030204" pitchFamily="34" charset="0"/>
+      <p:font typeface="Inter-Regular" panose="020B0604020202020204" charset="0"/>
       <p:regular r:id="rId24"/>
       <p:bold r:id="rId25"/>
-      <p:italic r:id="rId26"/>
-      <p:boldItalic r:id="rId27"/>
     </p:embeddedFont>
     <p:embeddedFont>
-      <p:font typeface="Inter-Regular" panose="020B0604020202020204" charset="0"/>
-      <p:regular r:id="rId28"/>
-      <p:bold r:id="rId29"/>
+      <p:font typeface="Calibri" panose="020F0502020204030204" pitchFamily="34" charset="0"/>
+      <p:regular r:id="rId26"/>
+      <p:bold r:id="rId27"/>
+      <p:italic r:id="rId28"/>
+      <p:boldItalic r:id="rId29"/>
     </p:embeddedFont>
   </p:embeddedFontLst>
   <p:defaultTextStyle>
@@ -47519,16 +47519,7 @@
                 </a:solidFill>
                 <a:latin typeface="Inter"/>
               </a:rPr>
-              <a:t>/</a:t>
-            </a:r>
-            <a:r>
-              <a:rPr lang="en-US" sz="1200" b="1" dirty="0" err="1" smtClean="0">
-                <a:solidFill>
-                  <a:srgbClr val="151515"/>
-                </a:solidFill>
-                <a:latin typeface="Inter"/>
-              </a:rPr>
-              <a:t>loan_amnt</a:t>
+              <a:t>”, </a:t>
             </a:r>
             <a:r>
               <a:rPr lang="en-US" sz="1200" b="1" dirty="0" smtClean="0">
@@ -47537,7 +47528,7 @@
                 </a:solidFill>
                 <a:latin typeface="Inter"/>
               </a:rPr>
-              <a:t>”, “</a:t>
+              <a:t>“</a:t>
             </a:r>
             <a:r>
               <a:rPr lang="en-US" sz="1200" b="1" dirty="0" err="1" smtClean="0">
@@ -47651,7 +47642,7 @@
                 </a:solidFill>
                 <a:latin typeface="Inter"/>
               </a:rPr>
-              <a:t>loan_amnt</a:t>
+              <a:t>Funded_amt</a:t>
             </a:r>
             <a:r>
               <a:rPr lang="en-US" sz="1200" b="1" dirty="0" smtClean="0">
@@ -48352,11 +48343,7 @@
             </a:r>
             <a:r>
               <a:rPr lang="en-US" sz="1600" dirty="0" smtClean="0"/>
-              <a:t>hort </a:t>
-            </a:r>
-            <a:r>
-              <a:rPr lang="en-US" sz="1600" dirty="0" smtClean="0"/>
-              <a:t>terms.</a:t>
+              <a:t>hort terms.</a:t>
             </a:r>
           </a:p>
           <a:p>
@@ -48369,15 +48356,7 @@
             </a:pPr>
             <a:r>
               <a:rPr lang="en-US" sz="1600" dirty="0" smtClean="0"/>
-              <a:t>Average </a:t>
-            </a:r>
-            <a:r>
-              <a:rPr lang="en-US" sz="1600" dirty="0" smtClean="0"/>
-              <a:t>interest rate </a:t>
-            </a:r>
-            <a:r>
-              <a:rPr lang="en-US" sz="1600" dirty="0" smtClean="0"/>
-              <a:t>of the loans are likely to Fully Paid, so if the banks gives loans at moderate level of interest it can avoid loss.</a:t>
+              <a:t>Average interest rate of the loans are likely to Fully Paid, so if the banks gives loans at moderate level of interest it can avoid loss.</a:t>
             </a:r>
           </a:p>
           <a:p>
@@ -48427,7 +48406,6 @@
               <a:rPr lang="en-US" sz="1600" dirty="0" smtClean="0"/>
               <a:t> </a:t>
             </a:r>
-            <a:endParaRPr lang="en-US" sz="1600" dirty="0" smtClean="0"/>
           </a:p>
           <a:p>
             <a:pPr marL="285750" indent="-285750">
@@ -48436,15 +48414,7 @@
             </a:pPr>
             <a:r>
               <a:rPr lang="en-US" sz="1600" dirty="0" smtClean="0"/>
-              <a:t>The Bank can avoid the charged-offs with quality verification process for loan approvals when loan amount is </a:t>
-            </a:r>
-            <a:r>
-              <a:rPr lang="en-US" sz="1600" dirty="0" smtClean="0"/>
-              <a:t>higher for the Grade E, F</a:t>
-            </a:r>
-            <a:r>
-              <a:rPr lang="en-US" sz="1600" smtClean="0"/>
-              <a:t>, G.</a:t>
+              <a:t>The Bank can avoid the charged-offs with quality verification process for loan approvals when loan amount is higher for the Grade E, F, G.</a:t>
             </a:r>
             <a:endParaRPr lang="en-GB" sz="1600" dirty="0"/>
           </a:p>
